--- a/PPTs/ProgramacionII_Clase_06.2-2018.pptx
+++ b/PPTs/ProgramacionII_Clase_06.2-2018.pptx
@@ -117,6 +117,11 @@
       </a:defRPr>
     </a:lvl9pPr>
   </p:defaultTextStyle>
+  <p:extLst>
+    <p:ext uri="{EFAFB233-063F-42B5-8137-9DF3F51BA10A}">
+      <p15:sldGuideLst xmlns:p15="http://schemas.microsoft.com/office/powerpoint/2012/main"/>
+    </p:ext>
+  </p:extLst>
 </p:presentation>
 </file>
 
@@ -394,7 +399,7 @@
           <a:p>
             <a:fld id="{78ABE3C1-DBE1-495D-B57B-2849774B866A}" type="datetimeFigureOut">
               <a:rPr lang="en-US" dirty="0"/>
-              <a:t>9/3/2018</a:t>
+              <a:t>9/17/2018</a:t>
             </a:fld>
             <a:endParaRPr lang="en-US" dirty="0"/>
           </a:p>
@@ -803,7 +808,7 @@
           <a:p>
             <a:fld id="{446C117F-5CCF-4837-BE5F-2B92066CAFAF}" type="datetimeFigureOut">
               <a:rPr lang="en-US" dirty="0"/>
-              <a:t>9/3/2018</a:t>
+              <a:t>9/17/2018</a:t>
             </a:fld>
             <a:endParaRPr lang="en-US" dirty="0"/>
           </a:p>
@@ -1134,7 +1139,7 @@
           <a:p>
             <a:fld id="{84EB90BD-B6CE-46B7-997F-7313B992CCDC}" type="datetimeFigureOut">
               <a:rPr lang="en-US" dirty="0"/>
-              <a:t>9/3/2018</a:t>
+              <a:t>9/17/2018</a:t>
             </a:fld>
             <a:endParaRPr lang="en-US" dirty="0"/>
           </a:p>
@@ -1534,7 +1539,7 @@
           <a:p>
             <a:fld id="{CDB9D11F-B188-461D-B23F-39381795C052}" type="datetimeFigureOut">
               <a:rPr lang="en-US" dirty="0"/>
-              <a:t>9/3/2018</a:t>
+              <a:t>9/17/2018</a:t>
             </a:fld>
             <a:endParaRPr lang="en-US" dirty="0"/>
           </a:p>
@@ -2097,7 +2102,7 @@
           <a:p>
             <a:fld id="{52E6D8D9-55A2-4063-B0F3-121F44549695}" type="datetimeFigureOut">
               <a:rPr lang="en-US" dirty="0"/>
-              <a:t>9/3/2018</a:t>
+              <a:t>9/17/2018</a:t>
             </a:fld>
             <a:endParaRPr lang="en-US" dirty="0"/>
           </a:p>
@@ -2773,7 +2778,7 @@
           <a:p>
             <a:fld id="{D4B24536-994D-4021-A283-9F449C0DB509}" type="datetimeFigureOut">
               <a:rPr lang="en-US" dirty="0"/>
-              <a:t>9/3/2018</a:t>
+              <a:t>9/17/2018</a:t>
             </a:fld>
             <a:endParaRPr lang="en-US" dirty="0"/>
           </a:p>
@@ -3681,7 +3686,7 @@
           <a:p>
             <a:fld id="{3CBBBB78-C96F-47B7-AB17-D852CA960AC9}" type="datetimeFigureOut">
               <a:rPr lang="en-US" dirty="0"/>
-              <a:t>9/3/2018</a:t>
+              <a:t>9/17/2018</a:t>
             </a:fld>
             <a:endParaRPr lang="en-US" dirty="0"/>
           </a:p>
@@ -3989,7 +3994,7 @@
           <a:p>
             <a:fld id="{1FA3F48C-C7C6-4055-9F49-3777875E72AE}" type="datetimeFigureOut">
               <a:rPr lang="en-US" dirty="0"/>
-              <a:t>9/3/2018</a:t>
+              <a:t>9/17/2018</a:t>
             </a:fld>
             <a:endParaRPr lang="en-US" dirty="0"/>
           </a:p>
@@ -4248,7 +4253,7 @@
           <a:p>
             <a:fld id="{6178E61D-D431-422C-9764-11DAFE33AB63}" type="datetimeFigureOut">
               <a:rPr lang="en-US" dirty="0"/>
-              <a:t>9/3/2018</a:t>
+              <a:t>9/17/2018</a:t>
             </a:fld>
             <a:endParaRPr lang="en-US" dirty="0"/>
           </a:p>
@@ -4567,7 +4572,7 @@
           <a:p>
             <a:fld id="{12DE42F4-6EEF-4EF7-8ED4-2208F0F89A08}" type="datetimeFigureOut">
               <a:rPr lang="en-US" dirty="0"/>
-              <a:t>9/3/2018</a:t>
+              <a:t>9/17/2018</a:t>
             </a:fld>
             <a:endParaRPr lang="en-US" dirty="0"/>
           </a:p>
@@ -4951,7 +4956,7 @@
           <a:p>
             <a:fld id="{30578ACC-22D6-47C1-A373-4FD133E34F3C}" type="datetimeFigureOut">
               <a:rPr lang="en-US" dirty="0"/>
-              <a:t>9/3/2018</a:t>
+              <a:t>9/17/2018</a:t>
             </a:fld>
             <a:endParaRPr lang="en-US" dirty="0"/>
           </a:p>
@@ -5322,7 +5327,7 @@
           <a:p>
             <a:fld id="{4E5A6C69-6797-4E8A-BF37-F2C3751466E9}" type="datetimeFigureOut">
               <a:rPr lang="en-US" dirty="0"/>
-              <a:t>9/3/2018</a:t>
+              <a:t>9/17/2018</a:t>
             </a:fld>
             <a:endParaRPr lang="en-US" dirty="0"/>
           </a:p>
@@ -5823,7 +5828,7 @@
           <a:p>
             <a:fld id="{D82014A1-A632-4878-A0D3-F52BA7563730}" type="datetimeFigureOut">
               <a:rPr lang="en-US" dirty="0"/>
-              <a:t>9/3/2018</a:t>
+              <a:t>9/17/2018</a:t>
             </a:fld>
             <a:endParaRPr lang="en-US" dirty="0"/>
           </a:p>
@@ -6075,7 +6080,7 @@
           <a:p>
             <a:fld id="{CE99F462-093F-4566-844B-4C71F2739DA5}" type="datetimeFigureOut">
               <a:rPr lang="en-US" dirty="0"/>
-              <a:t>9/3/2018</a:t>
+              <a:t>9/17/2018</a:t>
             </a:fld>
             <a:endParaRPr lang="en-US" dirty="0"/>
           </a:p>
@@ -6233,7 +6238,7 @@
           <a:p>
             <a:fld id="{3D24A7AC-904D-4781-85BA-7D10C17ED021}" type="datetimeFigureOut">
               <a:rPr lang="en-US" dirty="0"/>
-              <a:t>9/3/2018</a:t>
+              <a:t>9/17/2018</a:t>
             </a:fld>
             <a:endParaRPr lang="en-US" dirty="0"/>
           </a:p>
@@ -6618,7 +6623,7 @@
           <a:p>
             <a:fld id="{E331444B-B92B-4E27-8C94-BB93EAF5CB18}" type="datetimeFigureOut">
               <a:rPr lang="en-US" dirty="0"/>
-              <a:t>9/3/2018</a:t>
+              <a:t>9/17/2018</a:t>
             </a:fld>
             <a:endParaRPr lang="en-US" dirty="0"/>
           </a:p>
@@ -7022,7 +7027,7 @@
           <a:p>
             <a:fld id="{363EFA5E-FA76-400D-B3DC-F0BA90E6D107}" type="datetimeFigureOut">
               <a:rPr lang="en-US" dirty="0"/>
-              <a:t>9/3/2018</a:t>
+              <a:t>9/17/2018</a:t>
             </a:fld>
             <a:endParaRPr lang="en-US" dirty="0"/>
           </a:p>
@@ -7261,7 +7266,7 @@
           <a:p>
             <a:fld id="{9D6E9DEC-419B-4CC5-A080-3B06BD5A8291}" type="datetimeFigureOut">
               <a:rPr lang="en-US" dirty="0"/>
-              <a:t>9/3/2018</a:t>
+              <a:t>9/17/2018</a:t>
             </a:fld>
             <a:endParaRPr lang="en-US" dirty="0"/>
           </a:p>
@@ -9799,12 +9804,6 @@
               </a:rPr>
               <a:t>();</a:t>
             </a:r>
-            <a:endParaRPr lang="es-AR" sz="2000" dirty="0">
-              <a:solidFill>
-                <a:srgbClr val="000000"/>
-              </a:solidFill>
-              <a:latin typeface="Consolas" panose="020B0609020204030204" pitchFamily="49" charset="0"/>
-            </a:endParaRPr>
           </a:p>
         </p:txBody>
       </p:sp>
@@ -12882,25 +12881,6 @@
           </a:p>
         </p:txBody>
       </p:sp>
-      <p:sp>
-        <p:nvSpPr>
-          <p:cNvPr id="5" name="Marcador de contenido 4"/>
-          <p:cNvSpPr>
-            <a:spLocks noGrp="1"/>
-          </p:cNvSpPr>
-          <p:nvPr>
-            <p:ph idx="1"/>
-          </p:nvPr>
-        </p:nvSpPr>
-        <p:spPr/>
-        <p:txBody>
-          <a:bodyPr/>
-          <a:lstStyle/>
-          <a:p>
-            <a:endParaRPr lang="es-AR"/>
-          </a:p>
-        </p:txBody>
-      </p:sp>
     </p:spTree>
     <p:extLst>
       <p:ext uri="{BB962C8B-B14F-4D97-AF65-F5344CB8AC3E}">

--- a/PPTs/ProgramacionII_Clase_06.2-2018.pptx
+++ b/PPTs/ProgramacionII_Clase_06.2-2018.pptx
@@ -399,7 +399,7 @@
           <a:p>
             <a:fld id="{78ABE3C1-DBE1-495D-B57B-2849774B866A}" type="datetimeFigureOut">
               <a:rPr lang="en-US" dirty="0"/>
-              <a:t>9/17/2018</a:t>
+              <a:t>6/18/2019</a:t>
             </a:fld>
             <a:endParaRPr lang="en-US" dirty="0"/>
           </a:p>
@@ -808,7 +808,7 @@
           <a:p>
             <a:fld id="{446C117F-5CCF-4837-BE5F-2B92066CAFAF}" type="datetimeFigureOut">
               <a:rPr lang="en-US" dirty="0"/>
-              <a:t>9/17/2018</a:t>
+              <a:t>6/18/2019</a:t>
             </a:fld>
             <a:endParaRPr lang="en-US" dirty="0"/>
           </a:p>
@@ -1139,7 +1139,7 @@
           <a:p>
             <a:fld id="{84EB90BD-B6CE-46B7-997F-7313B992CCDC}" type="datetimeFigureOut">
               <a:rPr lang="en-US" dirty="0"/>
-              <a:t>9/17/2018</a:t>
+              <a:t>6/18/2019</a:t>
             </a:fld>
             <a:endParaRPr lang="en-US" dirty="0"/>
           </a:p>
@@ -1539,7 +1539,7 @@
           <a:p>
             <a:fld id="{CDB9D11F-B188-461D-B23F-39381795C052}" type="datetimeFigureOut">
               <a:rPr lang="en-US" dirty="0"/>
-              <a:t>9/17/2018</a:t>
+              <a:t>6/18/2019</a:t>
             </a:fld>
             <a:endParaRPr lang="en-US" dirty="0"/>
           </a:p>
@@ -2102,7 +2102,7 @@
           <a:p>
             <a:fld id="{52E6D8D9-55A2-4063-B0F3-121F44549695}" type="datetimeFigureOut">
               <a:rPr lang="en-US" dirty="0"/>
-              <a:t>9/17/2018</a:t>
+              <a:t>6/18/2019</a:t>
             </a:fld>
             <a:endParaRPr lang="en-US" dirty="0"/>
           </a:p>
@@ -2778,7 +2778,7 @@
           <a:p>
             <a:fld id="{D4B24536-994D-4021-A283-9F449C0DB509}" type="datetimeFigureOut">
               <a:rPr lang="en-US" dirty="0"/>
-              <a:t>9/17/2018</a:t>
+              <a:t>6/18/2019</a:t>
             </a:fld>
             <a:endParaRPr lang="en-US" dirty="0"/>
           </a:p>
@@ -3686,7 +3686,7 @@
           <a:p>
             <a:fld id="{3CBBBB78-C96F-47B7-AB17-D852CA960AC9}" type="datetimeFigureOut">
               <a:rPr lang="en-US" dirty="0"/>
-              <a:t>9/17/2018</a:t>
+              <a:t>6/18/2019</a:t>
             </a:fld>
             <a:endParaRPr lang="en-US" dirty="0"/>
           </a:p>
@@ -3994,7 +3994,7 @@
           <a:p>
             <a:fld id="{1FA3F48C-C7C6-4055-9F49-3777875E72AE}" type="datetimeFigureOut">
               <a:rPr lang="en-US" dirty="0"/>
-              <a:t>9/17/2018</a:t>
+              <a:t>6/18/2019</a:t>
             </a:fld>
             <a:endParaRPr lang="en-US" dirty="0"/>
           </a:p>
@@ -4253,7 +4253,7 @@
           <a:p>
             <a:fld id="{6178E61D-D431-422C-9764-11DAFE33AB63}" type="datetimeFigureOut">
               <a:rPr lang="en-US" dirty="0"/>
-              <a:t>9/17/2018</a:t>
+              <a:t>6/18/2019</a:t>
             </a:fld>
             <a:endParaRPr lang="en-US" dirty="0"/>
           </a:p>
@@ -4572,7 +4572,7 @@
           <a:p>
             <a:fld id="{12DE42F4-6EEF-4EF7-8ED4-2208F0F89A08}" type="datetimeFigureOut">
               <a:rPr lang="en-US" dirty="0"/>
-              <a:t>9/17/2018</a:t>
+              <a:t>6/18/2019</a:t>
             </a:fld>
             <a:endParaRPr lang="en-US" dirty="0"/>
           </a:p>
@@ -4956,7 +4956,7 @@
           <a:p>
             <a:fld id="{30578ACC-22D6-47C1-A373-4FD133E34F3C}" type="datetimeFigureOut">
               <a:rPr lang="en-US" dirty="0"/>
-              <a:t>9/17/2018</a:t>
+              <a:t>6/18/2019</a:t>
             </a:fld>
             <a:endParaRPr lang="en-US" dirty="0"/>
           </a:p>
@@ -5327,7 +5327,7 @@
           <a:p>
             <a:fld id="{4E5A6C69-6797-4E8A-BF37-F2C3751466E9}" type="datetimeFigureOut">
               <a:rPr lang="en-US" dirty="0"/>
-              <a:t>9/17/2018</a:t>
+              <a:t>6/18/2019</a:t>
             </a:fld>
             <a:endParaRPr lang="en-US" dirty="0"/>
           </a:p>
@@ -5828,7 +5828,7 @@
           <a:p>
             <a:fld id="{D82014A1-A632-4878-A0D3-F52BA7563730}" type="datetimeFigureOut">
               <a:rPr lang="en-US" dirty="0"/>
-              <a:t>9/17/2018</a:t>
+              <a:t>6/18/2019</a:t>
             </a:fld>
             <a:endParaRPr lang="en-US" dirty="0"/>
           </a:p>
@@ -6080,7 +6080,7 @@
           <a:p>
             <a:fld id="{CE99F462-093F-4566-844B-4C71F2739DA5}" type="datetimeFigureOut">
               <a:rPr lang="en-US" dirty="0"/>
-              <a:t>9/17/2018</a:t>
+              <a:t>6/18/2019</a:t>
             </a:fld>
             <a:endParaRPr lang="en-US" dirty="0"/>
           </a:p>
@@ -6238,7 +6238,7 @@
           <a:p>
             <a:fld id="{3D24A7AC-904D-4781-85BA-7D10C17ED021}" type="datetimeFigureOut">
               <a:rPr lang="en-US" dirty="0"/>
-              <a:t>9/17/2018</a:t>
+              <a:t>6/18/2019</a:t>
             </a:fld>
             <a:endParaRPr lang="en-US" dirty="0"/>
           </a:p>
@@ -6623,7 +6623,7 @@
           <a:p>
             <a:fld id="{E331444B-B92B-4E27-8C94-BB93EAF5CB18}" type="datetimeFigureOut">
               <a:rPr lang="en-US" dirty="0"/>
-              <a:t>9/17/2018</a:t>
+              <a:t>6/18/2019</a:t>
             </a:fld>
             <a:endParaRPr lang="en-US" dirty="0"/>
           </a:p>
@@ -7027,7 +7027,7 @@
           <a:p>
             <a:fld id="{363EFA5E-FA76-400D-B3DC-F0BA90E6D107}" type="datetimeFigureOut">
               <a:rPr lang="en-US" dirty="0"/>
-              <a:t>9/17/2018</a:t>
+              <a:t>6/18/2019</a:t>
             </a:fld>
             <a:endParaRPr lang="en-US" dirty="0"/>
           </a:p>
@@ -7266,7 +7266,7 @@
           <a:p>
             <a:fld id="{9D6E9DEC-419B-4CC5-A080-3B06BD5A8291}" type="datetimeFigureOut">
               <a:rPr lang="en-US" dirty="0"/>
-              <a:t>9/17/2018</a:t>
+              <a:t>6/18/2019</a:t>
             </a:fld>
             <a:endParaRPr lang="en-US" dirty="0"/>
           </a:p>
@@ -7876,6 +7876,13 @@
   <p:clrMapOvr>
     <a:masterClrMapping/>
   </p:clrMapOvr>
+  <p:timing>
+    <p:tnLst>
+      <p:par>
+        <p:cTn id="1" dur="indefinite" restart="never" nodeType="tmRoot"/>
+      </p:par>
+    </p:tnLst>
+  </p:timing>
 </p:sld>
 </file>
 
@@ -8314,6 +8321,13 @@
   <p:clrMapOvr>
     <a:masterClrMapping/>
   </p:clrMapOvr>
+  <p:timing>
+    <p:tnLst>
+      <p:par>
+        <p:cTn id="1" dur="indefinite" restart="never" nodeType="tmRoot"/>
+      </p:par>
+    </p:tnLst>
+  </p:timing>
 </p:sld>
 </file>
 
@@ -8735,6 +8749,13 @@
   <p:clrMapOvr>
     <a:masterClrMapping/>
   </p:clrMapOvr>
+  <p:timing>
+    <p:tnLst>
+      <p:par>
+        <p:cTn id="1" dur="indefinite" restart="never" nodeType="tmRoot"/>
+      </p:par>
+    </p:tnLst>
+  </p:timing>
 </p:sld>
 </file>
 
@@ -9207,7 +9228,33 @@
                 </a:effectLst>
                 <a:latin typeface="Franklin Gothic Medium" panose="020B0603020102020204" pitchFamily="34" charset="0"/>
               </a:rPr>
-              <a:t> podemos obtener o establecer el número máximo de caracteres que puede contener la memoria asignada para una instancia en particular. Una vez superada esa capacidad, el especio utilizado en memoria se asignará dinámicamente (proceso más costoso).</a:t>
+              <a:t> podemos obtener o establecer el número máximo de caracteres que puede contener la memoria asignada para una instancia en particular. Una vez superada esa capacidad, el </a:t>
+            </a:r>
+            <a:r>
+              <a:rPr lang="es-ES" dirty="0" smtClean="0">
+                <a:effectLst>
+                  <a:outerShdw blurRad="38100" dist="38100" dir="2700000" algn="tl">
+                    <a:srgbClr val="000000">
+                      <a:alpha val="43137"/>
+                    </a:srgbClr>
+                  </a:outerShdw>
+                </a:effectLst>
+                <a:latin typeface="Franklin Gothic Medium" panose="020B0603020102020204" pitchFamily="34" charset="0"/>
+              </a:rPr>
+              <a:t>espacio </a:t>
+            </a:r>
+            <a:r>
+              <a:rPr lang="es-ES" dirty="0">
+                <a:effectLst>
+                  <a:outerShdw blurRad="38100" dist="38100" dir="2700000" algn="tl">
+                    <a:srgbClr val="000000">
+                      <a:alpha val="43137"/>
+                    </a:srgbClr>
+                  </a:outerShdw>
+                </a:effectLst>
+                <a:latin typeface="Franklin Gothic Medium" panose="020B0603020102020204" pitchFamily="34" charset="0"/>
+              </a:rPr>
+              <a:t>utilizado en memoria se asignará dinámicamente (proceso más costoso).</a:t>
             </a:r>
           </a:p>
           <a:p>
@@ -9225,6 +9272,13 @@
   <p:clrMapOvr>
     <a:masterClrMapping/>
   </p:clrMapOvr>
+  <p:timing>
+    <p:tnLst>
+      <p:par>
+        <p:cTn id="1" dur="indefinite" restart="never" nodeType="tmRoot"/>
+      </p:par>
+    </p:tnLst>
+  </p:timing>
 </p:sld>
 </file>
 
@@ -9817,6 +9871,13 @@
   <p:clrMapOvr>
     <a:masterClrMapping/>
   </p:clrMapOvr>
+  <p:timing>
+    <p:tnLst>
+      <p:par>
+        <p:cTn id="1" dur="indefinite" restart="never" nodeType="tmRoot"/>
+      </p:par>
+    </p:tnLst>
+  </p:timing>
 </p:sld>
 </file>
 
@@ -10345,6 +10406,13 @@
   <p:clrMapOvr>
     <a:masterClrMapping/>
   </p:clrMapOvr>
+  <p:timing>
+    <p:tnLst>
+      <p:par>
+        <p:cTn id="1" dur="indefinite" restart="never" nodeType="tmRoot"/>
+      </p:par>
+    </p:tnLst>
+  </p:timing>
 </p:sld>
 </file>
 
@@ -10924,6 +10992,13 @@
   <p:clrMapOvr>
     <a:masterClrMapping/>
   </p:clrMapOvr>
+  <p:timing>
+    <p:tnLst>
+      <p:par>
+        <p:cTn id="1" dur="indefinite" restart="never" nodeType="tmRoot"/>
+      </p:par>
+    </p:tnLst>
+  </p:timing>
 </p:sld>
 </file>
 
@@ -11650,6 +11725,13 @@
   <p:clrMapOvr>
     <a:masterClrMapping/>
   </p:clrMapOvr>
+  <p:timing>
+    <p:tnLst>
+      <p:par>
+        <p:cTn id="1" dur="indefinite" restart="never" nodeType="tmRoot"/>
+      </p:par>
+    </p:tnLst>
+  </p:timing>
 </p:sld>
 </file>
 
@@ -12024,6 +12106,13 @@
   <p:clrMapOvr>
     <a:masterClrMapping/>
   </p:clrMapOvr>
+  <p:timing>
+    <p:tnLst>
+      <p:par>
+        <p:cTn id="1" dur="indefinite" restart="never" nodeType="tmRoot"/>
+      </p:par>
+    </p:tnLst>
+  </p:timing>
 </p:sld>
 </file>
 
@@ -12491,6 +12580,13 @@
   <p:clrMapOvr>
     <a:masterClrMapping/>
   </p:clrMapOvr>
+  <p:timing>
+    <p:tnLst>
+      <p:par>
+        <p:cTn id="1" dur="indefinite" restart="never" nodeType="tmRoot"/>
+      </p:par>
+    </p:tnLst>
+  </p:timing>
 </p:sld>
 </file>
 
@@ -12891,6 +12987,13 @@
   <p:clrMapOvr>
     <a:masterClrMapping/>
   </p:clrMapOvr>
+  <p:timing>
+    <p:tnLst>
+      <p:par>
+        <p:cTn id="1" dur="indefinite" restart="never" nodeType="tmRoot"/>
+      </p:par>
+    </p:tnLst>
+  </p:timing>
 </p:sld>
 </file>
 
@@ -13343,6 +13446,13 @@
   <p:clrMapOvr>
     <a:masterClrMapping/>
   </p:clrMapOvr>
+  <p:timing>
+    <p:tnLst>
+      <p:par>
+        <p:cTn id="1" dur="indefinite" restart="never" nodeType="tmRoot"/>
+      </p:par>
+    </p:tnLst>
+  </p:timing>
 </p:sld>
 </file>
 
@@ -13957,6 +14067,13 @@
   <p:clrMapOvr>
     <a:masterClrMapping/>
   </p:clrMapOvr>
+  <p:timing>
+    <p:tnLst>
+      <p:par>
+        <p:cTn id="1" dur="indefinite" restart="never" nodeType="tmRoot"/>
+      </p:par>
+    </p:tnLst>
+  </p:timing>
 </p:sld>
 </file>
 
